--- a/assignment/Data pipeline showcase.pptx
+++ b/assignment/Data pipeline showcase.pptx
@@ -252,7 +252,7 @@
           <a:p>
             <a:fld id="{F352A77B-D33C-49B3-A83C-450AA2ED72B3}" type="datetimeFigureOut">
               <a:rPr lang="en-US" smtClean="0"/>
-              <a:t>2/15/2022</a:t>
+              <a:t>2/17/2022</a:t>
             </a:fld>
             <a:endParaRPr lang="en-US" dirty="0"/>
           </a:p>
@@ -429,7 +429,7 @@
           <a:p>
             <a:fld id="{E38D8F9A-F5CB-4EF8-A859-ED5E107B9763}" type="datetimeFigureOut">
               <a:rPr lang="en-US" smtClean="0"/>
-              <a:t>2/15/2022</a:t>
+              <a:t>2/17/2022</a:t>
             </a:fld>
             <a:endParaRPr lang="en-US" dirty="0"/>
           </a:p>
@@ -16255,10 +16255,10 @@
       </p:sp>
       <p:pic>
         <p:nvPicPr>
-          <p:cNvPr id="9" name="Picture 8">
-            <a:extLst>
-              <a:ext uri="{FF2B5EF4-FFF2-40B4-BE49-F238E27FC236}">
-                <a16:creationId xmlns:a16="http://schemas.microsoft.com/office/drawing/2014/main" id="{D54E54F0-C5A3-4699-9CF4-1E0214187DB4}"/>
+          <p:cNvPr id="3" name="Picture 2">
+            <a:extLst>
+              <a:ext uri="{FF2B5EF4-FFF2-40B4-BE49-F238E27FC236}">
+                <a16:creationId xmlns:a16="http://schemas.microsoft.com/office/drawing/2014/main" id="{B9856E88-111A-48FB-A65C-720AB70AF401}"/>
               </a:ext>
             </a:extLst>
           </p:cNvPr>
@@ -16275,8 +16275,8 @@
         </p:blipFill>
         <p:spPr>
           <a:xfrm>
-            <a:off x="470018" y="1444124"/>
-            <a:ext cx="11454223" cy="3737211"/>
+            <a:off x="0" y="1756228"/>
+            <a:ext cx="12192000" cy="3345543"/>
           </a:xfrm>
           <a:prstGeom prst="rect">
             <a:avLst/>
@@ -17046,11 +17046,13 @@
         <p:spPr>
           <a:xfrm>
             <a:off x="1333498" y="2924175"/>
-            <a:ext cx="7554127" cy="3066427"/>
-          </a:xfrm>
-        </p:spPr>
-        <p:txBody>
-          <a:bodyPr/>
+            <a:ext cx="4298181" cy="3066427"/>
+          </a:xfrm>
+        </p:spPr>
+        <p:txBody>
+          <a:bodyPr>
+            <a:normAutofit lnSpcReduction="10000"/>
+          </a:bodyPr>
           <a:lstStyle/>
           <a:p>
             <a:pPr marL="285750" indent="-285750">
